--- a/presentations/OW-Programming-Model.pptx
+++ b/presentations/OW-Programming-Model.pptx
@@ -3703,291 +3703,270 @@
           </a:p>
         </p:txBody>
       </p:sp>
-      <p:grpSp>
-        <p:nvGrpSpPr>
-          <p:cNvPr id="61" name="Group 60">
-            <a:extLst>
-              <a:ext uri="{FF2B5EF4-FFF2-40B4-BE49-F238E27FC236}">
-                <a16:creationId xmlns:a16="http://schemas.microsoft.com/office/drawing/2014/main" id="{E2914123-D082-A24F-8A2D-A034CA903C7A}"/>
-              </a:ext>
-            </a:extLst>
-          </p:cNvPr>
-          <p:cNvGrpSpPr/>
-          <p:nvPr/>
-        </p:nvGrpSpPr>
-        <p:grpSpPr>
+      <p:sp>
+        <p:nvSpPr>
+          <p:cNvPr id="32" name="Connector 31">
+            <a:extLst>
+              <a:ext uri="{FF2B5EF4-FFF2-40B4-BE49-F238E27FC236}">
+                <a16:creationId xmlns:a16="http://schemas.microsoft.com/office/drawing/2014/main" id="{4D90214E-B106-584A-B653-F1FAF50D6176}"/>
+              </a:ext>
+            </a:extLst>
+          </p:cNvPr>
+          <p:cNvSpPr/>
+          <p:nvPr/>
+        </p:nvSpPr>
+        <p:spPr>
           <a:xfrm>
-            <a:off x="1281944" y="3307569"/>
-            <a:ext cx="705787" cy="729397"/>
-            <a:chOff x="4528849" y="3307569"/>
-            <a:chExt cx="705787" cy="729397"/>
-          </a:xfrm>
-        </p:grpSpPr>
-        <p:sp>
-          <p:nvSpPr>
-            <p:cNvPr id="32" name="Connector 31">
-              <a:extLst>
-                <a:ext uri="{FF2B5EF4-FFF2-40B4-BE49-F238E27FC236}">
-                  <a16:creationId xmlns:a16="http://schemas.microsoft.com/office/drawing/2014/main" id="{4D90214E-B106-584A-B653-F1FAF50D6176}"/>
-                </a:ext>
-              </a:extLst>
-            </p:cNvPr>
-            <p:cNvSpPr/>
-            <p:nvPr/>
-          </p:nvSpPr>
-          <p:spPr>
-            <a:xfrm>
-              <a:off x="4528849" y="3493930"/>
-              <a:ext cx="152400" cy="152400"/>
-            </a:xfrm>
-            <a:prstGeom prst="flowChartConnector">
+            <a:off x="1281944" y="3493930"/>
+            <a:ext cx="152400" cy="152400"/>
+          </a:xfrm>
+          <a:prstGeom prst="flowChartConnector">
+            <a:avLst/>
+          </a:prstGeom>
+          <a:solidFill>
+            <a:schemeClr val="bg1"/>
+          </a:solidFill>
+          <a:ln>
+            <a:solidFill>
+              <a:schemeClr val="tx1">
+                <a:lumMod val="85000"/>
+                <a:lumOff val="15000"/>
+              </a:schemeClr>
+            </a:solidFill>
+          </a:ln>
+        </p:spPr>
+        <p:style>
+          <a:lnRef idx="2">
+            <a:schemeClr val="accent1">
+              <a:shade val="50000"/>
+            </a:schemeClr>
+          </a:lnRef>
+          <a:fillRef idx="1">
+            <a:schemeClr val="accent1"/>
+          </a:fillRef>
+          <a:effectRef idx="0">
+            <a:schemeClr val="accent1"/>
+          </a:effectRef>
+          <a:fontRef idx="minor">
+            <a:schemeClr val="lt1"/>
+          </a:fontRef>
+        </p:style>
+        <p:txBody>
+          <a:bodyPr rot="0" spcFirstLastPara="0" vertOverflow="overflow" horzOverflow="overflow" vert="horz" wrap="square" lIns="91440" tIns="45720" rIns="91440" bIns="45720" numCol="1" spcCol="0" rtlCol="0" fromWordArt="0" anchor="ctr" anchorCtr="0" forceAA="0" compatLnSpc="1">
+            <a:prstTxWarp prst="textNoShape">
               <a:avLst/>
-            </a:prstGeom>
-            <a:solidFill>
-              <a:schemeClr val="bg1"/>
-            </a:solidFill>
-            <a:ln>
-              <a:solidFill>
-                <a:schemeClr val="tx1">
-                  <a:lumMod val="85000"/>
-                  <a:lumOff val="15000"/>
-                </a:schemeClr>
-              </a:solidFill>
-            </a:ln>
-          </p:spPr>
-          <p:style>
-            <a:lnRef idx="2">
-              <a:schemeClr val="accent1">
-                <a:shade val="50000"/>
+            </a:prstTxWarp>
+            <a:noAutofit/>
+          </a:bodyPr>
+          <a:lstStyle/>
+          <a:p>
+            <a:pPr algn="ctr"/>
+            <a:endParaRPr lang="en-US"/>
+          </a:p>
+        </p:txBody>
+      </p:sp>
+      <p:sp>
+        <p:nvSpPr>
+          <p:cNvPr id="33" name="Connector 32">
+            <a:extLst>
+              <a:ext uri="{FF2B5EF4-FFF2-40B4-BE49-F238E27FC236}">
+                <a16:creationId xmlns:a16="http://schemas.microsoft.com/office/drawing/2014/main" id="{4D41E0D5-181D-0D49-8B09-43B6091B3912}"/>
+              </a:ext>
+            </a:extLst>
+          </p:cNvPr>
+          <p:cNvSpPr/>
+          <p:nvPr/>
+        </p:nvSpPr>
+        <p:spPr>
+          <a:xfrm>
+            <a:off x="1281944" y="3884566"/>
+            <a:ext cx="152400" cy="152400"/>
+          </a:xfrm>
+          <a:prstGeom prst="flowChartConnector">
+            <a:avLst/>
+          </a:prstGeom>
+          <a:solidFill>
+            <a:schemeClr val="bg1"/>
+          </a:solidFill>
+          <a:ln>
+            <a:solidFill>
+              <a:schemeClr val="tx1">
+                <a:lumMod val="85000"/>
+                <a:lumOff val="15000"/>
               </a:schemeClr>
-            </a:lnRef>
-            <a:fillRef idx="1">
-              <a:schemeClr val="accent1"/>
-            </a:fillRef>
-            <a:effectRef idx="0">
-              <a:schemeClr val="accent1"/>
-            </a:effectRef>
-            <a:fontRef idx="minor">
-              <a:schemeClr val="lt1"/>
-            </a:fontRef>
-          </p:style>
-          <p:txBody>
-            <a:bodyPr rot="0" spcFirstLastPara="0" vertOverflow="overflow" horzOverflow="overflow" vert="horz" wrap="square" lIns="91440" tIns="45720" rIns="91440" bIns="45720" numCol="1" spcCol="0" rtlCol="0" fromWordArt="0" anchor="ctr" anchorCtr="0" forceAA="0" compatLnSpc="1">
-              <a:prstTxWarp prst="textNoShape">
-                <a:avLst/>
-              </a:prstTxWarp>
-              <a:noAutofit/>
-            </a:bodyPr>
-            <a:lstStyle/>
-            <a:p>
-              <a:pPr algn="ctr"/>
-              <a:endParaRPr lang="en-US"/>
-            </a:p>
-          </p:txBody>
-        </p:sp>
-        <p:sp>
-          <p:nvSpPr>
-            <p:cNvPr id="33" name="Connector 32">
-              <a:extLst>
-                <a:ext uri="{FF2B5EF4-FFF2-40B4-BE49-F238E27FC236}">
-                  <a16:creationId xmlns:a16="http://schemas.microsoft.com/office/drawing/2014/main" id="{4D41E0D5-181D-0D49-8B09-43B6091B3912}"/>
-                </a:ext>
-              </a:extLst>
-            </p:cNvPr>
-            <p:cNvSpPr/>
-            <p:nvPr/>
-          </p:nvSpPr>
-          <p:spPr>
-            <a:xfrm>
-              <a:off x="4528849" y="3884566"/>
-              <a:ext cx="152400" cy="152400"/>
-            </a:xfrm>
-            <a:prstGeom prst="flowChartConnector">
+            </a:solidFill>
+          </a:ln>
+        </p:spPr>
+        <p:style>
+          <a:lnRef idx="2">
+            <a:schemeClr val="accent1">
+              <a:shade val="50000"/>
+            </a:schemeClr>
+          </a:lnRef>
+          <a:fillRef idx="1">
+            <a:schemeClr val="accent1"/>
+          </a:fillRef>
+          <a:effectRef idx="0">
+            <a:schemeClr val="accent1"/>
+          </a:effectRef>
+          <a:fontRef idx="minor">
+            <a:schemeClr val="lt1"/>
+          </a:fontRef>
+        </p:style>
+        <p:txBody>
+          <a:bodyPr rot="0" spcFirstLastPara="0" vertOverflow="overflow" horzOverflow="overflow" vert="horz" wrap="square" lIns="91440" tIns="45720" rIns="91440" bIns="45720" numCol="1" spcCol="0" rtlCol="0" fromWordArt="0" anchor="ctr" anchorCtr="0" forceAA="0" compatLnSpc="1">
+            <a:prstTxWarp prst="textNoShape">
               <a:avLst/>
-            </a:prstGeom>
-            <a:solidFill>
-              <a:schemeClr val="bg1"/>
-            </a:solidFill>
-            <a:ln>
-              <a:solidFill>
-                <a:schemeClr val="tx1">
-                  <a:lumMod val="85000"/>
-                  <a:lumOff val="15000"/>
-                </a:schemeClr>
-              </a:solidFill>
-            </a:ln>
-          </p:spPr>
-          <p:style>
-            <a:lnRef idx="2">
-              <a:schemeClr val="accent1">
-                <a:shade val="50000"/>
+            </a:prstTxWarp>
+            <a:noAutofit/>
+          </a:bodyPr>
+          <a:lstStyle/>
+          <a:p>
+            <a:pPr algn="ctr"/>
+            <a:endParaRPr lang="en-US"/>
+          </a:p>
+        </p:txBody>
+      </p:sp>
+      <p:cxnSp>
+        <p:nvCxnSpPr>
+          <p:cNvPr id="34" name="Straight Connector 33">
+            <a:extLst>
+              <a:ext uri="{FF2B5EF4-FFF2-40B4-BE49-F238E27FC236}">
+                <a16:creationId xmlns:a16="http://schemas.microsoft.com/office/drawing/2014/main" id="{64139B6D-0E7E-5045-A359-DF5FAB2FCAB6}"/>
+              </a:ext>
+            </a:extLst>
+          </p:cNvPr>
+          <p:cNvCxnSpPr>
+            <a:cxnSpLocks/>
+            <a:stCxn id="32" idx="5"/>
+          </p:cNvCxnSpPr>
+          <p:nvPr/>
+        </p:nvCxnSpPr>
+        <p:spPr>
+          <a:xfrm>
+            <a:off x="1412026" y="3624012"/>
+            <a:ext cx="168945" cy="399884"/>
+          </a:xfrm>
+          <a:prstGeom prst="line">
+            <a:avLst/>
+          </a:prstGeom>
+          <a:ln w="12700">
+            <a:solidFill>
+              <a:schemeClr val="tx1">
+                <a:lumMod val="75000"/>
+                <a:lumOff val="25000"/>
               </a:schemeClr>
-            </a:lnRef>
-            <a:fillRef idx="1">
-              <a:schemeClr val="accent1"/>
-            </a:fillRef>
-            <a:effectRef idx="0">
-              <a:schemeClr val="accent1"/>
-            </a:effectRef>
-            <a:fontRef idx="minor">
-              <a:schemeClr val="lt1"/>
-            </a:fontRef>
-          </p:style>
-          <p:txBody>
-            <a:bodyPr rot="0" spcFirstLastPara="0" vertOverflow="overflow" horzOverflow="overflow" vert="horz" wrap="square" lIns="91440" tIns="45720" rIns="91440" bIns="45720" numCol="1" spcCol="0" rtlCol="0" fromWordArt="0" anchor="ctr" anchorCtr="0" forceAA="0" compatLnSpc="1">
-              <a:prstTxWarp prst="textNoShape">
-                <a:avLst/>
-              </a:prstTxWarp>
-              <a:noAutofit/>
-            </a:bodyPr>
-            <a:lstStyle/>
-            <a:p>
-              <a:pPr algn="ctr"/>
-              <a:endParaRPr lang="en-US"/>
-            </a:p>
-          </p:txBody>
-        </p:sp>
-        <p:cxnSp>
-          <p:nvCxnSpPr>
-            <p:cNvPr id="34" name="Straight Connector 33">
-              <a:extLst>
-                <a:ext uri="{FF2B5EF4-FFF2-40B4-BE49-F238E27FC236}">
-                  <a16:creationId xmlns:a16="http://schemas.microsoft.com/office/drawing/2014/main" id="{64139B6D-0E7E-5045-A359-DF5FAB2FCAB6}"/>
-                </a:ext>
-              </a:extLst>
-            </p:cNvPr>
-            <p:cNvCxnSpPr>
-              <a:cxnSpLocks/>
-              <a:stCxn id="32" idx="5"/>
-            </p:cNvCxnSpPr>
-            <p:nvPr/>
-          </p:nvCxnSpPr>
-          <p:spPr>
-            <a:xfrm>
-              <a:off x="4658931" y="3624012"/>
-              <a:ext cx="168945" cy="399884"/>
-            </a:xfrm>
-            <a:prstGeom prst="line">
-              <a:avLst/>
-            </a:prstGeom>
-            <a:ln w="12700">
-              <a:solidFill>
-                <a:schemeClr val="tx1">
-                  <a:lumMod val="75000"/>
-                  <a:lumOff val="25000"/>
-                </a:schemeClr>
-              </a:solidFill>
-            </a:ln>
-          </p:spPr>
-          <p:style>
-            <a:lnRef idx="1">
-              <a:schemeClr val="accent1"/>
-            </a:lnRef>
-            <a:fillRef idx="0">
-              <a:schemeClr val="accent1"/>
-            </a:fillRef>
-            <a:effectRef idx="0">
-              <a:schemeClr val="accent1"/>
-            </a:effectRef>
-            <a:fontRef idx="minor">
-              <a:schemeClr val="tx1"/>
-            </a:fontRef>
-          </p:style>
-        </p:cxnSp>
-        <p:sp>
-          <p:nvSpPr>
-            <p:cNvPr id="37" name="Rectangle 36">
-              <a:extLst>
-                <a:ext uri="{FF2B5EF4-FFF2-40B4-BE49-F238E27FC236}">
-                  <a16:creationId xmlns:a16="http://schemas.microsoft.com/office/drawing/2014/main" id="{F86B79BD-F241-3A4C-83E9-AD78C0BD9B64}"/>
-                </a:ext>
-              </a:extLst>
-            </p:cNvPr>
-            <p:cNvSpPr/>
-            <p:nvPr/>
-          </p:nvSpPr>
-          <p:spPr>
-            <a:xfrm>
-              <a:off x="4681279" y="3606944"/>
-              <a:ext cx="553357" cy="307777"/>
-            </a:xfrm>
-            <a:prstGeom prst="rect">
-              <a:avLst/>
-            </a:prstGeom>
-          </p:spPr>
-          <p:txBody>
-            <a:bodyPr wrap="none">
-              <a:spAutoFit/>
-            </a:bodyPr>
-            <a:lstStyle/>
-            <a:p>
-              <a:pPr algn="ctr"/>
-              <a:r>
-                <a:rPr lang="en-US" sz="1400" dirty="0">
-                  <a:solidFill>
-                    <a:schemeClr val="tx1">
-                      <a:lumMod val="85000"/>
-                      <a:lumOff val="15000"/>
-                    </a:schemeClr>
-                  </a:solidFill>
-                </a:rPr>
-                <a:t>Rule</a:t>
-              </a:r>
-            </a:p>
-          </p:txBody>
-        </p:sp>
-        <p:cxnSp>
-          <p:nvCxnSpPr>
-            <p:cNvPr id="57" name="Straight Connector 56">
-              <a:extLst>
-                <a:ext uri="{FF2B5EF4-FFF2-40B4-BE49-F238E27FC236}">
-                  <a16:creationId xmlns:a16="http://schemas.microsoft.com/office/drawing/2014/main" id="{871A4EB4-DC8A-5045-8602-2A260478B913}"/>
-                </a:ext>
-              </a:extLst>
-            </p:cNvPr>
-            <p:cNvCxnSpPr>
-              <a:cxnSpLocks/>
-              <a:stCxn id="25" idx="2"/>
-              <a:endCxn id="32" idx="0"/>
-            </p:cNvCxnSpPr>
-            <p:nvPr/>
-          </p:nvCxnSpPr>
-          <p:spPr>
-            <a:xfrm>
-              <a:off x="4597300" y="3307569"/>
-              <a:ext cx="7749" cy="186361"/>
-            </a:xfrm>
-            <a:prstGeom prst="line">
-              <a:avLst/>
-            </a:prstGeom>
-            <a:ln w="12700">
-              <a:solidFill>
-                <a:schemeClr val="tx1">
-                  <a:lumMod val="75000"/>
-                  <a:lumOff val="25000"/>
-                </a:schemeClr>
-              </a:solidFill>
-              <a:prstDash val="sysDash"/>
-              <a:headEnd w="lg" len="med"/>
-              <a:tailEnd type="arrow"/>
-            </a:ln>
-          </p:spPr>
-          <p:style>
-            <a:lnRef idx="1">
-              <a:schemeClr val="accent1"/>
-            </a:lnRef>
-            <a:fillRef idx="0">
-              <a:schemeClr val="accent1"/>
-            </a:fillRef>
-            <a:effectRef idx="0">
-              <a:schemeClr val="accent1"/>
-            </a:effectRef>
-            <a:fontRef idx="minor">
-              <a:schemeClr val="tx1"/>
-            </a:fontRef>
-          </p:style>
-        </p:cxnSp>
-      </p:grpSp>
+            </a:solidFill>
+          </a:ln>
+        </p:spPr>
+        <p:style>
+          <a:lnRef idx="1">
+            <a:schemeClr val="accent1"/>
+          </a:lnRef>
+          <a:fillRef idx="0">
+            <a:schemeClr val="accent1"/>
+          </a:fillRef>
+          <a:effectRef idx="0">
+            <a:schemeClr val="accent1"/>
+          </a:effectRef>
+          <a:fontRef idx="minor">
+            <a:schemeClr val="tx1"/>
+          </a:fontRef>
+        </p:style>
+      </p:cxnSp>
+      <p:sp>
+        <p:nvSpPr>
+          <p:cNvPr id="37" name="Rectangle 36">
+            <a:extLst>
+              <a:ext uri="{FF2B5EF4-FFF2-40B4-BE49-F238E27FC236}">
+                <a16:creationId xmlns:a16="http://schemas.microsoft.com/office/drawing/2014/main" id="{F86B79BD-F241-3A4C-83E9-AD78C0BD9B64}"/>
+              </a:ext>
+            </a:extLst>
+          </p:cNvPr>
+          <p:cNvSpPr/>
+          <p:nvPr/>
+        </p:nvSpPr>
+        <p:spPr>
+          <a:xfrm>
+            <a:off x="1434374" y="3606944"/>
+            <a:ext cx="553357" cy="307777"/>
+          </a:xfrm>
+          <a:prstGeom prst="rect">
+            <a:avLst/>
+          </a:prstGeom>
+        </p:spPr>
+        <p:txBody>
+          <a:bodyPr wrap="none">
+            <a:spAutoFit/>
+          </a:bodyPr>
+          <a:lstStyle/>
+          <a:p>
+            <a:pPr algn="ctr"/>
+            <a:r>
+              <a:rPr lang="en-US" sz="1400" dirty="0">
+                <a:solidFill>
+                  <a:schemeClr val="tx1">
+                    <a:lumMod val="85000"/>
+                    <a:lumOff val="15000"/>
+                  </a:schemeClr>
+                </a:solidFill>
+              </a:rPr>
+              <a:t>Rule</a:t>
+            </a:r>
+          </a:p>
+        </p:txBody>
+      </p:sp>
+      <p:cxnSp>
+        <p:nvCxnSpPr>
+          <p:cNvPr id="57" name="Straight Connector 56">
+            <a:extLst>
+              <a:ext uri="{FF2B5EF4-FFF2-40B4-BE49-F238E27FC236}">
+                <a16:creationId xmlns:a16="http://schemas.microsoft.com/office/drawing/2014/main" id="{871A4EB4-DC8A-5045-8602-2A260478B913}"/>
+              </a:ext>
+            </a:extLst>
+          </p:cNvPr>
+          <p:cNvCxnSpPr>
+            <a:cxnSpLocks/>
+            <a:stCxn id="25" idx="2"/>
+            <a:endCxn id="32" idx="0"/>
+          </p:cNvCxnSpPr>
+          <p:nvPr/>
+        </p:nvCxnSpPr>
+        <p:spPr>
+          <a:xfrm>
+            <a:off x="1350395" y="3307569"/>
+            <a:ext cx="7749" cy="186361"/>
+          </a:xfrm>
+          <a:prstGeom prst="line">
+            <a:avLst/>
+          </a:prstGeom>
+          <a:ln w="12700">
+            <a:solidFill>
+              <a:schemeClr val="tx1">
+                <a:lumMod val="75000"/>
+                <a:lumOff val="25000"/>
+              </a:schemeClr>
+            </a:solidFill>
+            <a:prstDash val="sysDash"/>
+            <a:headEnd w="lg" len="med"/>
+            <a:tailEnd type="arrow"/>
+          </a:ln>
+        </p:spPr>
+        <p:style>
+          <a:lnRef idx="1">
+            <a:schemeClr val="accent1"/>
+          </a:lnRef>
+          <a:fillRef idx="0">
+            <a:schemeClr val="accent1"/>
+          </a:fillRef>
+          <a:effectRef idx="0">
+            <a:schemeClr val="accent1"/>
+          </a:effectRef>
+          <a:fontRef idx="minor">
+            <a:schemeClr val="tx1"/>
+          </a:fontRef>
+        </p:style>
+      </p:cxnSp>
       <p:sp>
         <p:nvSpPr>
           <p:cNvPr id="66" name="Rectangle 65">
@@ -4002,7 +3981,7 @@
         </p:nvSpPr>
         <p:spPr>
           <a:xfrm rot="5400000">
-            <a:off x="4841374" y="691031"/>
+            <a:off x="7969912" y="655518"/>
             <a:ext cx="1292007" cy="3205257"/>
           </a:xfrm>
           <a:prstGeom prst="rect">
@@ -4075,7 +4054,7 @@
         </p:nvSpPr>
         <p:spPr>
           <a:xfrm>
-            <a:off x="2825021" y="2047866"/>
+            <a:off x="5953559" y="2012353"/>
             <a:ext cx="552049" cy="552049"/>
           </a:xfrm>
           <a:prstGeom prst="ellipse">
@@ -4156,7 +4135,7 @@
         </p:nvSpPr>
         <p:spPr>
           <a:xfrm>
-            <a:off x="6265944" y="2115486"/>
+            <a:off x="9394482" y="2079973"/>
             <a:ext cx="685800" cy="416808"/>
           </a:xfrm>
           <a:prstGeom prst="flowChartProcess">
@@ -4226,7 +4205,7 @@
         </p:nvCxnSpPr>
         <p:spPr>
           <a:xfrm flipV="1">
-            <a:off x="3377070" y="2323890"/>
+            <a:off x="6505608" y="2288377"/>
             <a:ext cx="664702" cy="1"/>
           </a:xfrm>
           <a:prstGeom prst="line">
@@ -4277,7 +4256,7 @@
         </p:nvCxnSpPr>
         <p:spPr>
           <a:xfrm>
-            <a:off x="5436956" y="2323890"/>
+            <a:off x="8565494" y="2288377"/>
             <a:ext cx="828988" cy="0"/>
           </a:xfrm>
           <a:prstGeom prst="line">
@@ -4324,7 +4303,7 @@
         </p:nvSpPr>
         <p:spPr>
           <a:xfrm>
-            <a:off x="5611887" y="2195686"/>
+            <a:off x="8740425" y="2160173"/>
             <a:ext cx="445653" cy="256409"/>
           </a:xfrm>
           <a:prstGeom prst="flowChartDocument">
@@ -4399,7 +4378,7 @@
         </p:nvSpPr>
         <p:spPr>
           <a:xfrm>
-            <a:off x="7267414" y="2195686"/>
+            <a:off x="10395952" y="2160173"/>
             <a:ext cx="445653" cy="256409"/>
           </a:xfrm>
           <a:prstGeom prst="flowChartDocument">
@@ -4478,7 +4457,7 @@
         </p:nvCxnSpPr>
         <p:spPr>
           <a:xfrm>
-            <a:off x="6951744" y="2323890"/>
+            <a:off x="10080282" y="2288377"/>
             <a:ext cx="315670" cy="1"/>
           </a:xfrm>
           <a:prstGeom prst="line">
@@ -4524,7 +4503,7 @@
         </p:nvSpPr>
         <p:spPr>
           <a:xfrm rot="16200000">
-            <a:off x="3916298" y="1948508"/>
+            <a:off x="7044836" y="1912995"/>
             <a:ext cx="1001712" cy="750764"/>
           </a:xfrm>
           <a:prstGeom prst="flowChartMerge">
@@ -4590,7 +4569,7 @@
         </p:nvSpPr>
         <p:spPr>
           <a:xfrm rot="16200000">
-            <a:off x="5284556" y="2247690"/>
+            <a:off x="8413094" y="2212177"/>
             <a:ext cx="152400" cy="152400"/>
           </a:xfrm>
           <a:prstGeom prst="flowChartConnector">
@@ -4655,7 +4634,7 @@
         </p:nvSpPr>
         <p:spPr>
           <a:xfrm>
-            <a:off x="4934877" y="2358194"/>
+            <a:off x="8063415" y="2322681"/>
             <a:ext cx="508473" cy="307777"/>
           </a:xfrm>
           <a:prstGeom prst="rect">
@@ -4694,7 +4673,7 @@
         </p:nvCxnSpPr>
         <p:spPr>
           <a:xfrm flipV="1">
-            <a:off x="5029196" y="2077133"/>
+            <a:off x="8157734" y="2041620"/>
             <a:ext cx="369040" cy="184120"/>
           </a:xfrm>
           <a:prstGeom prst="line">
@@ -4735,7 +4714,7 @@
         </p:nvSpPr>
         <p:spPr>
           <a:xfrm rot="16200000">
-            <a:off x="4899114" y="2247690"/>
+            <a:off x="8027652" y="2212177"/>
             <a:ext cx="152400" cy="152400"/>
           </a:xfrm>
           <a:prstGeom prst="flowChartConnector">
@@ -4804,7 +4783,7 @@
         </p:nvCxnSpPr>
         <p:spPr>
           <a:xfrm>
-            <a:off x="4792536" y="2323890"/>
+            <a:off x="7921074" y="2288377"/>
             <a:ext cx="106578" cy="0"/>
           </a:xfrm>
           <a:prstGeom prst="line">
@@ -4851,7 +4830,7 @@
         </p:nvSpPr>
         <p:spPr>
           <a:xfrm>
-            <a:off x="4934877" y="4938812"/>
+            <a:off x="8063415" y="4903299"/>
             <a:ext cx="893535" cy="543063"/>
           </a:xfrm>
           <a:prstGeom prst="flowChartProcess">
@@ -4940,7 +4919,7 @@
         </p:nvCxnSpPr>
         <p:spPr>
           <a:xfrm>
-            <a:off x="4593737" y="5210344"/>
+            <a:off x="7722275" y="5174831"/>
             <a:ext cx="341140" cy="0"/>
           </a:xfrm>
           <a:prstGeom prst="line">
@@ -4987,7 +4966,7 @@
         </p:nvSpPr>
         <p:spPr>
           <a:xfrm>
-            <a:off x="4148084" y="5082139"/>
+            <a:off x="7276622" y="5046626"/>
             <a:ext cx="445653" cy="256409"/>
           </a:xfrm>
           <a:prstGeom prst="flowChartDocument">
@@ -5062,7 +5041,7 @@
         </p:nvSpPr>
         <p:spPr>
           <a:xfrm>
-            <a:off x="6135643" y="5082139"/>
+            <a:off x="9264181" y="5046626"/>
             <a:ext cx="445653" cy="256409"/>
           </a:xfrm>
           <a:prstGeom prst="flowChartDocument">
@@ -5141,7 +5120,7 @@
         </p:nvCxnSpPr>
         <p:spPr>
           <a:xfrm>
-            <a:off x="5828412" y="5210344"/>
+            <a:off x="8956950" y="5174831"/>
             <a:ext cx="307231" cy="0"/>
           </a:xfrm>
           <a:prstGeom prst="line">
@@ -5187,7 +5166,7 @@
         </p:nvSpPr>
         <p:spPr>
           <a:xfrm rot="16200000">
-            <a:off x="3323489" y="2210104"/>
+            <a:off x="6452027" y="2174591"/>
             <a:ext cx="685800" cy="225934"/>
           </a:xfrm>
           <a:prstGeom prst="flowChartProcess">
@@ -5261,7 +5240,7 @@
         </p:nvSpPr>
         <p:spPr>
           <a:xfrm rot="5400000">
-            <a:off x="4841374" y="2244921"/>
+            <a:off x="7969912" y="2209408"/>
             <a:ext cx="1292007" cy="3205257"/>
           </a:xfrm>
           <a:prstGeom prst="rect">
@@ -5334,7 +5313,7 @@
         </p:nvSpPr>
         <p:spPr>
           <a:xfrm>
-            <a:off x="6265944" y="3669376"/>
+            <a:off x="9394482" y="3633863"/>
             <a:ext cx="685800" cy="416808"/>
           </a:xfrm>
           <a:prstGeom prst="flowChartProcess">
@@ -5404,7 +5383,7 @@
         </p:nvCxnSpPr>
         <p:spPr>
           <a:xfrm>
-            <a:off x="5436956" y="3877780"/>
+            <a:off x="8565494" y="3842267"/>
             <a:ext cx="828988" cy="0"/>
           </a:xfrm>
           <a:prstGeom prst="line">
@@ -5451,7 +5430,7 @@
         </p:nvSpPr>
         <p:spPr>
           <a:xfrm>
-            <a:off x="5611887" y="3749576"/>
+            <a:off x="8740425" y="3714063"/>
             <a:ext cx="445653" cy="256409"/>
           </a:xfrm>
           <a:prstGeom prst="flowChartDocument">
@@ -5526,7 +5505,7 @@
         </p:nvSpPr>
         <p:spPr>
           <a:xfrm>
-            <a:off x="7267414" y="3749576"/>
+            <a:off x="10395952" y="3714063"/>
             <a:ext cx="445653" cy="256409"/>
           </a:xfrm>
           <a:prstGeom prst="flowChartDocument">
@@ -5605,7 +5584,7 @@
         </p:nvCxnSpPr>
         <p:spPr>
           <a:xfrm>
-            <a:off x="6951744" y="3877780"/>
+            <a:off x="10080282" y="3842267"/>
             <a:ext cx="315670" cy="1"/>
           </a:xfrm>
           <a:prstGeom prst="line">
@@ -5651,7 +5630,7 @@
         </p:nvSpPr>
         <p:spPr>
           <a:xfrm rot="16200000">
-            <a:off x="3916298" y="3502398"/>
+            <a:off x="7044836" y="3466885"/>
             <a:ext cx="1001712" cy="750764"/>
           </a:xfrm>
           <a:prstGeom prst="flowChartMerge">
@@ -5717,7 +5696,7 @@
         </p:nvSpPr>
         <p:spPr>
           <a:xfrm rot="16200000">
-            <a:off x="5284556" y="3801580"/>
+            <a:off x="8413094" y="3766067"/>
             <a:ext cx="152400" cy="152400"/>
           </a:xfrm>
           <a:prstGeom prst="flowChartConnector">
@@ -5782,7 +5761,7 @@
         </p:nvSpPr>
         <p:spPr>
           <a:xfrm>
-            <a:off x="4934877" y="3912084"/>
+            <a:off x="8063415" y="3876571"/>
             <a:ext cx="508473" cy="307777"/>
           </a:xfrm>
           <a:prstGeom prst="rect">
@@ -5821,7 +5800,7 @@
         </p:nvCxnSpPr>
         <p:spPr>
           <a:xfrm flipV="1">
-            <a:off x="5029196" y="3631023"/>
+            <a:off x="8157734" y="3595510"/>
             <a:ext cx="369040" cy="184120"/>
           </a:xfrm>
           <a:prstGeom prst="line">
@@ -5862,7 +5841,7 @@
         </p:nvSpPr>
         <p:spPr>
           <a:xfrm rot="16200000">
-            <a:off x="4899114" y="3801580"/>
+            <a:off x="8027652" y="3766067"/>
             <a:ext cx="152400" cy="152400"/>
           </a:xfrm>
           <a:prstGeom prst="flowChartConnector">
@@ -5931,7 +5910,7 @@
         </p:nvCxnSpPr>
         <p:spPr>
           <a:xfrm>
-            <a:off x="4792536" y="3877780"/>
+            <a:off x="7921074" y="3842267"/>
             <a:ext cx="106578" cy="0"/>
           </a:xfrm>
           <a:prstGeom prst="line">
@@ -5982,7 +5961,7 @@
         </p:nvCxnSpPr>
         <p:spPr>
           <a:xfrm>
-            <a:off x="3583676" y="3877779"/>
+            <a:off x="6712214" y="3842266"/>
             <a:ext cx="458096" cy="1"/>
           </a:xfrm>
           <a:prstGeom prst="line">
@@ -6029,7 +6008,7 @@
         </p:nvSpPr>
         <p:spPr>
           <a:xfrm>
-            <a:off x="3031627" y="3601754"/>
+            <a:off x="6160165" y="3566241"/>
             <a:ext cx="552049" cy="552049"/>
           </a:xfrm>
           <a:prstGeom prst="ellipse">
@@ -6096,6 +6075,947 @@
           </a:p>
         </p:txBody>
       </p:sp>
+      <p:sp>
+        <p:nvSpPr>
+          <p:cNvPr id="152" name="Rectangle 151">
+            <a:extLst>
+              <a:ext uri="{FF2B5EF4-FFF2-40B4-BE49-F238E27FC236}">
+                <a16:creationId xmlns:a16="http://schemas.microsoft.com/office/drawing/2014/main" id="{3CB869AD-E213-DA41-9545-9DEDE4171F35}"/>
+              </a:ext>
+            </a:extLst>
+          </p:cNvPr>
+          <p:cNvSpPr/>
+          <p:nvPr/>
+        </p:nvSpPr>
+        <p:spPr>
+          <a:xfrm>
+            <a:off x="2716769" y="2625229"/>
+            <a:ext cx="1463002" cy="2644196"/>
+          </a:xfrm>
+          <a:prstGeom prst="rect">
+            <a:avLst/>
+          </a:prstGeom>
+          <a:solidFill>
+            <a:schemeClr val="bg1">
+              <a:lumMod val="95000"/>
+            </a:schemeClr>
+          </a:solidFill>
+          <a:ln>
+            <a:solidFill>
+              <a:schemeClr val="tx1">
+                <a:lumMod val="75000"/>
+                <a:lumOff val="25000"/>
+              </a:schemeClr>
+            </a:solidFill>
+            <a:prstDash val="dash"/>
+          </a:ln>
+        </p:spPr>
+        <p:style>
+          <a:lnRef idx="2">
+            <a:schemeClr val="accent1">
+              <a:shade val="50000"/>
+            </a:schemeClr>
+          </a:lnRef>
+          <a:fillRef idx="1">
+            <a:schemeClr val="accent1"/>
+          </a:fillRef>
+          <a:effectRef idx="0">
+            <a:schemeClr val="accent1"/>
+          </a:effectRef>
+          <a:fontRef idx="minor">
+            <a:schemeClr val="lt1"/>
+          </a:fontRef>
+        </p:style>
+        <p:txBody>
+          <a:bodyPr vert="vert270" wrap="none" rtlCol="0" anchor="t" anchorCtr="1"/>
+          <a:lstStyle/>
+          <a:p>
+            <a:pPr algn="ctr"/>
+            <a:r>
+              <a:rPr lang="en-US" sz="1200" i="1" dirty="0">
+                <a:ln w="0">
+                  <a:noFill/>
+                </a:ln>
+                <a:solidFill>
+                  <a:schemeClr val="tx1">
+                    <a:lumMod val="65000"/>
+                    <a:lumOff val="35000"/>
+                  </a:schemeClr>
+                </a:solidFill>
+              </a:rPr>
+              <a:t>Target Namespace</a:t>
+            </a:r>
+          </a:p>
+        </p:txBody>
+      </p:sp>
+      <p:sp>
+        <p:nvSpPr>
+          <p:cNvPr id="154" name="Oval 153">
+            <a:extLst>
+              <a:ext uri="{FF2B5EF4-FFF2-40B4-BE49-F238E27FC236}">
+                <a16:creationId xmlns:a16="http://schemas.microsoft.com/office/drawing/2014/main" id="{1164FA0B-B75A-9746-9AED-23DC2DC399CB}"/>
+              </a:ext>
+            </a:extLst>
+          </p:cNvPr>
+          <p:cNvSpPr/>
+          <p:nvPr/>
+        </p:nvSpPr>
+        <p:spPr>
+          <a:xfrm>
+            <a:off x="3180690" y="1481639"/>
+            <a:ext cx="607419" cy="607419"/>
+          </a:xfrm>
+          <a:prstGeom prst="ellipse">
+            <a:avLst/>
+          </a:prstGeom>
+          <a:solidFill>
+            <a:schemeClr val="bg1"/>
+          </a:solidFill>
+          <a:ln>
+            <a:solidFill>
+              <a:schemeClr val="tx1">
+                <a:lumMod val="85000"/>
+                <a:lumOff val="15000"/>
+              </a:schemeClr>
+            </a:solidFill>
+          </a:ln>
+        </p:spPr>
+        <p:style>
+          <a:lnRef idx="2">
+            <a:schemeClr val="accent1">
+              <a:shade val="50000"/>
+            </a:schemeClr>
+          </a:lnRef>
+          <a:fillRef idx="1">
+            <a:schemeClr val="accent1"/>
+          </a:fillRef>
+          <a:effectRef idx="0">
+            <a:schemeClr val="accent1"/>
+          </a:effectRef>
+          <a:fontRef idx="minor">
+            <a:schemeClr val="lt1"/>
+          </a:fontRef>
+        </p:style>
+        <p:txBody>
+          <a:bodyPr wrap="none" rtlCol="0" anchor="ctr"/>
+          <a:lstStyle/>
+          <a:p>
+            <a:pPr algn="ctr"/>
+            <a:r>
+              <a:rPr lang="en-US" sz="1100" i="1" dirty="0">
+                <a:solidFill>
+                  <a:schemeClr val="tx1">
+                    <a:lumMod val="85000"/>
+                    <a:lumOff val="15000"/>
+                  </a:schemeClr>
+                </a:solidFill>
+              </a:rPr>
+              <a:t>Event</a:t>
+            </a:r>
+          </a:p>
+          <a:p>
+            <a:pPr algn="ctr"/>
+            <a:r>
+              <a:rPr lang="en-US" sz="1100" i="1" dirty="0">
+                <a:solidFill>
+                  <a:schemeClr val="tx1">
+                    <a:lumMod val="85000"/>
+                    <a:lumOff val="15000"/>
+                  </a:schemeClr>
+                </a:solidFill>
+              </a:rPr>
+              <a:t>Source</a:t>
+            </a:r>
+          </a:p>
+        </p:txBody>
+      </p:sp>
+      <p:sp>
+        <p:nvSpPr>
+          <p:cNvPr id="155" name="Merge 154">
+            <a:extLst>
+              <a:ext uri="{FF2B5EF4-FFF2-40B4-BE49-F238E27FC236}">
+                <a16:creationId xmlns:a16="http://schemas.microsoft.com/office/drawing/2014/main" id="{D92483D8-C110-E346-9FFD-6AAE2227C141}"/>
+              </a:ext>
+            </a:extLst>
+          </p:cNvPr>
+          <p:cNvSpPr/>
+          <p:nvPr/>
+        </p:nvSpPr>
+        <p:spPr>
+          <a:xfrm>
+            <a:off x="3027199" y="2776996"/>
+            <a:ext cx="914400" cy="530573"/>
+          </a:xfrm>
+          <a:prstGeom prst="flowChartMerge">
+            <a:avLst/>
+          </a:prstGeom>
+          <a:solidFill>
+            <a:schemeClr val="bg1"/>
+          </a:solidFill>
+          <a:ln>
+            <a:solidFill>
+              <a:schemeClr val="tx1">
+                <a:lumMod val="85000"/>
+                <a:lumOff val="15000"/>
+              </a:schemeClr>
+            </a:solidFill>
+          </a:ln>
+        </p:spPr>
+        <p:style>
+          <a:lnRef idx="2">
+            <a:schemeClr val="accent1">
+              <a:shade val="50000"/>
+            </a:schemeClr>
+          </a:lnRef>
+          <a:fillRef idx="1">
+            <a:schemeClr val="accent1"/>
+          </a:fillRef>
+          <a:effectRef idx="0">
+            <a:schemeClr val="accent1"/>
+          </a:effectRef>
+          <a:fontRef idx="minor">
+            <a:schemeClr val="lt1"/>
+          </a:fontRef>
+        </p:style>
+        <p:txBody>
+          <a:bodyPr rot="0" spcFirstLastPara="0" vertOverflow="overflow" horzOverflow="overflow" vert="horz" wrap="none" lIns="91440" tIns="45720" rIns="91440" bIns="45720" numCol="1" spcCol="0" rtlCol="0" fromWordArt="0" anchor="ctr" anchorCtr="0" forceAA="0" compatLnSpc="1">
+            <a:prstTxWarp prst="textNoShape">
+              <a:avLst/>
+            </a:prstTxWarp>
+            <a:noAutofit/>
+          </a:bodyPr>
+          <a:lstStyle/>
+          <a:p>
+            <a:pPr algn="ctr"/>
+            <a:r>
+              <a:rPr lang="en-US" sz="1400" dirty="0">
+                <a:solidFill>
+                  <a:schemeClr val="tx1">
+                    <a:lumMod val="85000"/>
+                    <a:lumOff val="15000"/>
+                  </a:schemeClr>
+                </a:solidFill>
+              </a:rPr>
+              <a:t>Trigger</a:t>
+            </a:r>
+          </a:p>
+        </p:txBody>
+      </p:sp>
+      <p:sp>
+        <p:nvSpPr>
+          <p:cNvPr id="156" name="Process 155">
+            <a:extLst>
+              <a:ext uri="{FF2B5EF4-FFF2-40B4-BE49-F238E27FC236}">
+                <a16:creationId xmlns:a16="http://schemas.microsoft.com/office/drawing/2014/main" id="{B660FADA-67D5-E24F-9234-1C7A9C2D031D}"/>
+              </a:ext>
+            </a:extLst>
+          </p:cNvPr>
+          <p:cNvSpPr/>
+          <p:nvPr/>
+        </p:nvSpPr>
+        <p:spPr>
+          <a:xfrm>
+            <a:off x="3141499" y="4713015"/>
+            <a:ext cx="685800" cy="416808"/>
+          </a:xfrm>
+          <a:prstGeom prst="flowChartProcess">
+            <a:avLst/>
+          </a:prstGeom>
+          <a:solidFill>
+            <a:schemeClr val="bg1"/>
+          </a:solidFill>
+          <a:ln>
+            <a:solidFill>
+              <a:schemeClr val="tx1">
+                <a:lumMod val="85000"/>
+                <a:lumOff val="15000"/>
+              </a:schemeClr>
+            </a:solidFill>
+          </a:ln>
+        </p:spPr>
+        <p:style>
+          <a:lnRef idx="2">
+            <a:schemeClr val="accent1">
+              <a:shade val="50000"/>
+            </a:schemeClr>
+          </a:lnRef>
+          <a:fillRef idx="1">
+            <a:schemeClr val="accent1"/>
+          </a:fillRef>
+          <a:effectRef idx="0">
+            <a:schemeClr val="accent1"/>
+          </a:effectRef>
+          <a:fontRef idx="minor">
+            <a:schemeClr val="lt1"/>
+          </a:fontRef>
+        </p:style>
+        <p:txBody>
+          <a:bodyPr rot="0" spcFirstLastPara="0" vertOverflow="overflow" horzOverflow="overflow" vert="horz" wrap="none" lIns="91440" tIns="45720" rIns="91440" bIns="45720" numCol="1" spcCol="0" rtlCol="0" fromWordArt="0" anchor="ctr" anchorCtr="0" forceAA="0" compatLnSpc="1">
+            <a:prstTxWarp prst="textNoShape">
+              <a:avLst/>
+            </a:prstTxWarp>
+            <a:noAutofit/>
+          </a:bodyPr>
+          <a:lstStyle/>
+          <a:p>
+            <a:pPr algn="ctr"/>
+            <a:r>
+              <a:rPr lang="en-US" sz="1400" dirty="0">
+                <a:solidFill>
+                  <a:schemeClr val="tx1">
+                    <a:lumMod val="85000"/>
+                    <a:lumOff val="15000"/>
+                  </a:schemeClr>
+                </a:solidFill>
+              </a:rPr>
+              <a:t>Action</a:t>
+            </a:r>
+          </a:p>
+        </p:txBody>
+      </p:sp>
+      <p:cxnSp>
+        <p:nvCxnSpPr>
+          <p:cNvPr id="157" name="Straight Connector 156">
+            <a:extLst>
+              <a:ext uri="{FF2B5EF4-FFF2-40B4-BE49-F238E27FC236}">
+                <a16:creationId xmlns:a16="http://schemas.microsoft.com/office/drawing/2014/main" id="{A34F6E12-6EF9-BA43-BE2D-124C57F72B93}"/>
+              </a:ext>
+            </a:extLst>
+          </p:cNvPr>
+          <p:cNvCxnSpPr>
+            <a:cxnSpLocks/>
+            <a:stCxn id="154" idx="4"/>
+            <a:endCxn id="155" idx="0"/>
+          </p:cNvCxnSpPr>
+          <p:nvPr/>
+        </p:nvCxnSpPr>
+        <p:spPr>
+          <a:xfrm flipH="1">
+            <a:off x="3484399" y="2089058"/>
+            <a:ext cx="1" cy="687938"/>
+          </a:xfrm>
+          <a:prstGeom prst="line">
+            <a:avLst/>
+          </a:prstGeom>
+          <a:ln w="12700">
+            <a:solidFill>
+              <a:schemeClr val="tx1">
+                <a:lumMod val="75000"/>
+                <a:lumOff val="25000"/>
+              </a:schemeClr>
+            </a:solidFill>
+            <a:prstDash val="sysDash"/>
+            <a:headEnd w="lg" len="med"/>
+            <a:tailEnd type="arrow"/>
+          </a:ln>
+        </p:spPr>
+        <p:style>
+          <a:lnRef idx="1">
+            <a:schemeClr val="accent1"/>
+          </a:lnRef>
+          <a:fillRef idx="0">
+            <a:schemeClr val="accent1"/>
+          </a:fillRef>
+          <a:effectRef idx="0">
+            <a:schemeClr val="accent1"/>
+          </a:effectRef>
+          <a:fontRef idx="minor">
+            <a:schemeClr val="tx1"/>
+          </a:fontRef>
+        </p:style>
+      </p:cxnSp>
+      <p:cxnSp>
+        <p:nvCxnSpPr>
+          <p:cNvPr id="158" name="Straight Connector 157">
+            <a:extLst>
+              <a:ext uri="{FF2B5EF4-FFF2-40B4-BE49-F238E27FC236}">
+                <a16:creationId xmlns:a16="http://schemas.microsoft.com/office/drawing/2014/main" id="{E74A8694-D098-DF46-AEEE-46CD8A384EBF}"/>
+              </a:ext>
+            </a:extLst>
+          </p:cNvPr>
+          <p:cNvCxnSpPr>
+            <a:cxnSpLocks/>
+            <a:stCxn id="156" idx="2"/>
+            <a:endCxn id="162" idx="0"/>
+          </p:cNvCxnSpPr>
+          <p:nvPr/>
+        </p:nvCxnSpPr>
+        <p:spPr>
+          <a:xfrm>
+            <a:off x="3484399" y="5129823"/>
+            <a:ext cx="1" cy="316539"/>
+          </a:xfrm>
+          <a:prstGeom prst="line">
+            <a:avLst/>
+          </a:prstGeom>
+          <a:ln w="12700">
+            <a:solidFill>
+              <a:schemeClr val="tx1">
+                <a:lumMod val="75000"/>
+                <a:lumOff val="25000"/>
+              </a:schemeClr>
+            </a:solidFill>
+            <a:prstDash val="sysDash"/>
+            <a:tailEnd type="arrow"/>
+          </a:ln>
+        </p:spPr>
+        <p:style>
+          <a:lnRef idx="1">
+            <a:schemeClr val="accent1"/>
+          </a:lnRef>
+          <a:fillRef idx="0">
+            <a:schemeClr val="accent1"/>
+          </a:fillRef>
+          <a:effectRef idx="0">
+            <a:schemeClr val="accent1"/>
+          </a:effectRef>
+          <a:fontRef idx="minor">
+            <a:schemeClr val="tx1"/>
+          </a:fontRef>
+        </p:style>
+      </p:cxnSp>
+      <p:sp>
+        <p:nvSpPr>
+          <p:cNvPr id="159" name="Process 158">
+            <a:extLst>
+              <a:ext uri="{FF2B5EF4-FFF2-40B4-BE49-F238E27FC236}">
+                <a16:creationId xmlns:a16="http://schemas.microsoft.com/office/drawing/2014/main" id="{F6443F71-BCF5-6648-BFD9-DFD73205087C}"/>
+              </a:ext>
+            </a:extLst>
+          </p:cNvPr>
+          <p:cNvSpPr/>
+          <p:nvPr/>
+        </p:nvSpPr>
+        <p:spPr>
+          <a:xfrm>
+            <a:off x="3141499" y="2293660"/>
+            <a:ext cx="685800" cy="225934"/>
+          </a:xfrm>
+          <a:prstGeom prst="flowChartProcess">
+            <a:avLst/>
+          </a:prstGeom>
+          <a:solidFill>
+            <a:schemeClr val="bg1"/>
+          </a:solidFill>
+          <a:ln>
+            <a:solidFill>
+              <a:schemeClr val="tx1">
+                <a:lumMod val="85000"/>
+                <a:lumOff val="15000"/>
+              </a:schemeClr>
+            </a:solidFill>
+            <a:prstDash val="dash"/>
+          </a:ln>
+        </p:spPr>
+        <p:style>
+          <a:lnRef idx="2">
+            <a:schemeClr val="accent1">
+              <a:shade val="50000"/>
+            </a:schemeClr>
+          </a:lnRef>
+          <a:fillRef idx="1">
+            <a:schemeClr val="accent1"/>
+          </a:fillRef>
+          <a:effectRef idx="0">
+            <a:schemeClr val="accent1"/>
+          </a:effectRef>
+          <a:fontRef idx="minor">
+            <a:schemeClr val="lt1"/>
+          </a:fontRef>
+        </p:style>
+        <p:txBody>
+          <a:bodyPr rot="0" spcFirstLastPara="0" vertOverflow="overflow" horzOverflow="overflow" vert="horz" wrap="none" lIns="91440" tIns="45720" rIns="91440" bIns="45720" numCol="1" spcCol="0" rtlCol="0" fromWordArt="0" anchor="ctr" anchorCtr="0" forceAA="0" compatLnSpc="1">
+            <a:prstTxWarp prst="textNoShape">
+              <a:avLst/>
+            </a:prstTxWarp>
+            <a:noAutofit/>
+          </a:bodyPr>
+          <a:lstStyle/>
+          <a:p>
+            <a:pPr algn="ctr"/>
+            <a:r>
+              <a:rPr lang="en-US" sz="1100" i="1" dirty="0">
+                <a:solidFill>
+                  <a:schemeClr val="tx1">
+                    <a:lumMod val="85000"/>
+                    <a:lumOff val="15000"/>
+                  </a:schemeClr>
+                </a:solidFill>
+              </a:rPr>
+              <a:t>Feed</a:t>
+            </a:r>
+          </a:p>
+        </p:txBody>
+      </p:sp>
+      <p:cxnSp>
+        <p:nvCxnSpPr>
+          <p:cNvPr id="160" name="Straight Connector 159">
+            <a:extLst>
+              <a:ext uri="{FF2B5EF4-FFF2-40B4-BE49-F238E27FC236}">
+                <a16:creationId xmlns:a16="http://schemas.microsoft.com/office/drawing/2014/main" id="{7F4B8364-2857-604F-B012-38D73F2DDABB}"/>
+              </a:ext>
+            </a:extLst>
+          </p:cNvPr>
+          <p:cNvCxnSpPr>
+            <a:cxnSpLocks/>
+            <a:stCxn id="164" idx="4"/>
+            <a:endCxn id="156" idx="0"/>
+          </p:cNvCxnSpPr>
+          <p:nvPr/>
+        </p:nvCxnSpPr>
+        <p:spPr>
+          <a:xfrm>
+            <a:off x="3484399" y="4036966"/>
+            <a:ext cx="0" cy="676049"/>
+          </a:xfrm>
+          <a:prstGeom prst="line">
+            <a:avLst/>
+          </a:prstGeom>
+          <a:ln w="12700">
+            <a:solidFill>
+              <a:schemeClr val="tx1">
+                <a:lumMod val="75000"/>
+                <a:lumOff val="25000"/>
+              </a:schemeClr>
+            </a:solidFill>
+            <a:prstDash val="sysDash"/>
+            <a:headEnd w="lg" len="med"/>
+            <a:tailEnd type="arrow"/>
+          </a:ln>
+        </p:spPr>
+        <p:style>
+          <a:lnRef idx="1">
+            <a:schemeClr val="accent1"/>
+          </a:lnRef>
+          <a:fillRef idx="0">
+            <a:schemeClr val="accent1"/>
+          </a:fillRef>
+          <a:effectRef idx="0">
+            <a:schemeClr val="accent1"/>
+          </a:effectRef>
+          <a:fontRef idx="minor">
+            <a:schemeClr val="tx1"/>
+          </a:fontRef>
+        </p:style>
+      </p:cxnSp>
+      <p:sp>
+        <p:nvSpPr>
+          <p:cNvPr id="161" name="Document 160">
+            <a:extLst>
+              <a:ext uri="{FF2B5EF4-FFF2-40B4-BE49-F238E27FC236}">
+                <a16:creationId xmlns:a16="http://schemas.microsoft.com/office/drawing/2014/main" id="{11A49974-3C14-8D4B-BE61-DD972CF986D0}"/>
+              </a:ext>
+            </a:extLst>
+          </p:cNvPr>
+          <p:cNvSpPr/>
+          <p:nvPr/>
+        </p:nvSpPr>
+        <p:spPr>
+          <a:xfrm>
+            <a:off x="3261573" y="4200833"/>
+            <a:ext cx="445653" cy="256409"/>
+          </a:xfrm>
+          <a:prstGeom prst="flowChartDocument">
+            <a:avLst/>
+          </a:prstGeom>
+          <a:solidFill>
+            <a:schemeClr val="bg1">
+              <a:lumMod val="95000"/>
+            </a:schemeClr>
+          </a:solidFill>
+          <a:ln w="9525">
+            <a:solidFill>
+              <a:schemeClr val="tx1">
+                <a:lumMod val="50000"/>
+                <a:lumOff val="50000"/>
+              </a:schemeClr>
+            </a:solidFill>
+          </a:ln>
+        </p:spPr>
+        <p:style>
+          <a:lnRef idx="2">
+            <a:schemeClr val="accent1">
+              <a:shade val="50000"/>
+            </a:schemeClr>
+          </a:lnRef>
+          <a:fillRef idx="1">
+            <a:schemeClr val="accent1"/>
+          </a:fillRef>
+          <a:effectRef idx="0">
+            <a:schemeClr val="accent1"/>
+          </a:effectRef>
+          <a:fontRef idx="minor">
+            <a:schemeClr val="lt1"/>
+          </a:fontRef>
+        </p:style>
+        <p:txBody>
+          <a:bodyPr rtlCol="0" anchor="ctr"/>
+          <a:lstStyle/>
+          <a:p>
+            <a:pPr algn="ctr"/>
+            <a:r>
+              <a:rPr lang="en-US" sz="900" b="1" i="1" dirty="0">
+                <a:solidFill>
+                  <a:schemeClr val="tx1">
+                    <a:lumMod val="65000"/>
+                    <a:lumOff val="35000"/>
+                  </a:schemeClr>
+                </a:solidFill>
+              </a:rPr>
+              <a:t>JSON</a:t>
+            </a:r>
+            <a:endParaRPr lang="en-US" sz="1050" b="1" i="1" dirty="0">
+              <a:solidFill>
+                <a:schemeClr val="tx1">
+                  <a:lumMod val="65000"/>
+                  <a:lumOff val="35000"/>
+                </a:schemeClr>
+              </a:solidFill>
+            </a:endParaRPr>
+          </a:p>
+        </p:txBody>
+      </p:sp>
+      <p:sp>
+        <p:nvSpPr>
+          <p:cNvPr id="162" name="Document 161">
+            <a:extLst>
+              <a:ext uri="{FF2B5EF4-FFF2-40B4-BE49-F238E27FC236}">
+                <a16:creationId xmlns:a16="http://schemas.microsoft.com/office/drawing/2014/main" id="{152880C8-968E-BF43-B5B6-5C8EEFE79392}"/>
+              </a:ext>
+            </a:extLst>
+          </p:cNvPr>
+          <p:cNvSpPr/>
+          <p:nvPr/>
+        </p:nvSpPr>
+        <p:spPr>
+          <a:xfrm>
+            <a:off x="3261573" y="5446362"/>
+            <a:ext cx="445653" cy="256409"/>
+          </a:xfrm>
+          <a:prstGeom prst="flowChartDocument">
+            <a:avLst/>
+          </a:prstGeom>
+          <a:solidFill>
+            <a:schemeClr val="bg1">
+              <a:lumMod val="95000"/>
+            </a:schemeClr>
+          </a:solidFill>
+          <a:ln w="9525">
+            <a:solidFill>
+              <a:schemeClr val="tx1">
+                <a:lumMod val="50000"/>
+                <a:lumOff val="50000"/>
+              </a:schemeClr>
+            </a:solidFill>
+          </a:ln>
+        </p:spPr>
+        <p:style>
+          <a:lnRef idx="2">
+            <a:schemeClr val="accent1">
+              <a:shade val="50000"/>
+            </a:schemeClr>
+          </a:lnRef>
+          <a:fillRef idx="1">
+            <a:schemeClr val="accent1"/>
+          </a:fillRef>
+          <a:effectRef idx="0">
+            <a:schemeClr val="accent1"/>
+          </a:effectRef>
+          <a:fontRef idx="minor">
+            <a:schemeClr val="lt1"/>
+          </a:fontRef>
+        </p:style>
+        <p:txBody>
+          <a:bodyPr rtlCol="0" anchor="ctr"/>
+          <a:lstStyle/>
+          <a:p>
+            <a:pPr algn="ctr"/>
+            <a:r>
+              <a:rPr lang="en-US" sz="900" b="1" i="1" dirty="0">
+                <a:solidFill>
+                  <a:schemeClr val="tx1">
+                    <a:lumMod val="65000"/>
+                    <a:lumOff val="35000"/>
+                  </a:schemeClr>
+                </a:solidFill>
+              </a:rPr>
+              <a:t>JSON</a:t>
+            </a:r>
+            <a:endParaRPr lang="en-US" sz="1050" b="1" i="1" dirty="0">
+              <a:solidFill>
+                <a:schemeClr val="tx1">
+                  <a:lumMod val="65000"/>
+                  <a:lumOff val="35000"/>
+                </a:schemeClr>
+              </a:solidFill>
+            </a:endParaRPr>
+          </a:p>
+        </p:txBody>
+      </p:sp>
+      <p:sp>
+        <p:nvSpPr>
+          <p:cNvPr id="163" name="Connector 162">
+            <a:extLst>
+              <a:ext uri="{FF2B5EF4-FFF2-40B4-BE49-F238E27FC236}">
+                <a16:creationId xmlns:a16="http://schemas.microsoft.com/office/drawing/2014/main" id="{D644FC17-6A27-E141-88C3-0F645F35C81C}"/>
+              </a:ext>
+            </a:extLst>
+          </p:cNvPr>
+          <p:cNvSpPr/>
+          <p:nvPr/>
+        </p:nvSpPr>
+        <p:spPr>
+          <a:xfrm>
+            <a:off x="3408199" y="3493930"/>
+            <a:ext cx="152400" cy="152400"/>
+          </a:xfrm>
+          <a:prstGeom prst="flowChartConnector">
+            <a:avLst/>
+          </a:prstGeom>
+          <a:solidFill>
+            <a:schemeClr val="bg1"/>
+          </a:solidFill>
+          <a:ln>
+            <a:solidFill>
+              <a:schemeClr val="tx1">
+                <a:lumMod val="85000"/>
+                <a:lumOff val="15000"/>
+              </a:schemeClr>
+            </a:solidFill>
+          </a:ln>
+        </p:spPr>
+        <p:style>
+          <a:lnRef idx="2">
+            <a:schemeClr val="accent1">
+              <a:shade val="50000"/>
+            </a:schemeClr>
+          </a:lnRef>
+          <a:fillRef idx="1">
+            <a:schemeClr val="accent1"/>
+          </a:fillRef>
+          <a:effectRef idx="0">
+            <a:schemeClr val="accent1"/>
+          </a:effectRef>
+          <a:fontRef idx="minor">
+            <a:schemeClr val="lt1"/>
+          </a:fontRef>
+        </p:style>
+        <p:txBody>
+          <a:bodyPr rot="0" spcFirstLastPara="0" vertOverflow="overflow" horzOverflow="overflow" vert="horz" wrap="square" lIns="91440" tIns="45720" rIns="91440" bIns="45720" numCol="1" spcCol="0" rtlCol="0" fromWordArt="0" anchor="ctr" anchorCtr="0" forceAA="0" compatLnSpc="1">
+            <a:prstTxWarp prst="textNoShape">
+              <a:avLst/>
+            </a:prstTxWarp>
+            <a:noAutofit/>
+          </a:bodyPr>
+          <a:lstStyle/>
+          <a:p>
+            <a:pPr algn="ctr"/>
+            <a:endParaRPr lang="en-US"/>
+          </a:p>
+        </p:txBody>
+      </p:sp>
+      <p:sp>
+        <p:nvSpPr>
+          <p:cNvPr id="164" name="Connector 163">
+            <a:extLst>
+              <a:ext uri="{FF2B5EF4-FFF2-40B4-BE49-F238E27FC236}">
+                <a16:creationId xmlns:a16="http://schemas.microsoft.com/office/drawing/2014/main" id="{AE096FD1-ECE0-4546-A8E6-068280BDFA4F}"/>
+              </a:ext>
+            </a:extLst>
+          </p:cNvPr>
+          <p:cNvSpPr/>
+          <p:nvPr/>
+        </p:nvSpPr>
+        <p:spPr>
+          <a:xfrm>
+            <a:off x="3408199" y="3884566"/>
+            <a:ext cx="152400" cy="152400"/>
+          </a:xfrm>
+          <a:prstGeom prst="flowChartConnector">
+            <a:avLst/>
+          </a:prstGeom>
+          <a:solidFill>
+            <a:schemeClr val="bg1"/>
+          </a:solidFill>
+          <a:ln>
+            <a:solidFill>
+              <a:schemeClr val="tx1">
+                <a:lumMod val="85000"/>
+                <a:lumOff val="15000"/>
+              </a:schemeClr>
+            </a:solidFill>
+          </a:ln>
+        </p:spPr>
+        <p:style>
+          <a:lnRef idx="2">
+            <a:schemeClr val="accent1">
+              <a:shade val="50000"/>
+            </a:schemeClr>
+          </a:lnRef>
+          <a:fillRef idx="1">
+            <a:schemeClr val="accent1"/>
+          </a:fillRef>
+          <a:effectRef idx="0">
+            <a:schemeClr val="accent1"/>
+          </a:effectRef>
+          <a:fontRef idx="minor">
+            <a:schemeClr val="lt1"/>
+          </a:fontRef>
+        </p:style>
+        <p:txBody>
+          <a:bodyPr rot="0" spcFirstLastPara="0" vertOverflow="overflow" horzOverflow="overflow" vert="horz" wrap="square" lIns="91440" tIns="45720" rIns="91440" bIns="45720" numCol="1" spcCol="0" rtlCol="0" fromWordArt="0" anchor="ctr" anchorCtr="0" forceAA="0" compatLnSpc="1">
+            <a:prstTxWarp prst="textNoShape">
+              <a:avLst/>
+            </a:prstTxWarp>
+            <a:noAutofit/>
+          </a:bodyPr>
+          <a:lstStyle/>
+          <a:p>
+            <a:pPr algn="ctr"/>
+            <a:endParaRPr lang="en-US"/>
+          </a:p>
+        </p:txBody>
+      </p:sp>
+      <p:cxnSp>
+        <p:nvCxnSpPr>
+          <p:cNvPr id="165" name="Straight Connector 164">
+            <a:extLst>
+              <a:ext uri="{FF2B5EF4-FFF2-40B4-BE49-F238E27FC236}">
+                <a16:creationId xmlns:a16="http://schemas.microsoft.com/office/drawing/2014/main" id="{7D9CE5FB-AE46-2746-BAE7-1CA9E9492E23}"/>
+              </a:ext>
+            </a:extLst>
+          </p:cNvPr>
+          <p:cNvCxnSpPr>
+            <a:cxnSpLocks/>
+            <a:stCxn id="163" idx="5"/>
+          </p:cNvCxnSpPr>
+          <p:nvPr/>
+        </p:nvCxnSpPr>
+        <p:spPr>
+          <a:xfrm>
+            <a:off x="3538281" y="3624012"/>
+            <a:ext cx="168945" cy="399884"/>
+          </a:xfrm>
+          <a:prstGeom prst="line">
+            <a:avLst/>
+          </a:prstGeom>
+          <a:ln w="12700">
+            <a:solidFill>
+              <a:schemeClr val="tx1">
+                <a:lumMod val="75000"/>
+                <a:lumOff val="25000"/>
+              </a:schemeClr>
+            </a:solidFill>
+          </a:ln>
+        </p:spPr>
+        <p:style>
+          <a:lnRef idx="1">
+            <a:schemeClr val="accent1"/>
+          </a:lnRef>
+          <a:fillRef idx="0">
+            <a:schemeClr val="accent1"/>
+          </a:fillRef>
+          <a:effectRef idx="0">
+            <a:schemeClr val="accent1"/>
+          </a:effectRef>
+          <a:fontRef idx="minor">
+            <a:schemeClr val="tx1"/>
+          </a:fontRef>
+        </p:style>
+      </p:cxnSp>
+      <p:sp>
+        <p:nvSpPr>
+          <p:cNvPr id="166" name="Rectangle 165">
+            <a:extLst>
+              <a:ext uri="{FF2B5EF4-FFF2-40B4-BE49-F238E27FC236}">
+                <a16:creationId xmlns:a16="http://schemas.microsoft.com/office/drawing/2014/main" id="{6A7DD880-C4CE-844F-9DFE-E7FE0C4C11D8}"/>
+              </a:ext>
+            </a:extLst>
+          </p:cNvPr>
+          <p:cNvSpPr/>
+          <p:nvPr/>
+        </p:nvSpPr>
+        <p:spPr>
+          <a:xfrm>
+            <a:off x="3560629" y="3606944"/>
+            <a:ext cx="553357" cy="307777"/>
+          </a:xfrm>
+          <a:prstGeom prst="rect">
+            <a:avLst/>
+          </a:prstGeom>
+        </p:spPr>
+        <p:txBody>
+          <a:bodyPr wrap="none">
+            <a:spAutoFit/>
+          </a:bodyPr>
+          <a:lstStyle/>
+          <a:p>
+            <a:pPr algn="ctr"/>
+            <a:r>
+              <a:rPr lang="en-US" sz="1400" dirty="0">
+                <a:solidFill>
+                  <a:schemeClr val="tx1">
+                    <a:lumMod val="85000"/>
+                    <a:lumOff val="15000"/>
+                  </a:schemeClr>
+                </a:solidFill>
+              </a:rPr>
+              <a:t>Rule</a:t>
+            </a:r>
+          </a:p>
+        </p:txBody>
+      </p:sp>
+      <p:cxnSp>
+        <p:nvCxnSpPr>
+          <p:cNvPr id="167" name="Straight Connector 166">
+            <a:extLst>
+              <a:ext uri="{FF2B5EF4-FFF2-40B4-BE49-F238E27FC236}">
+                <a16:creationId xmlns:a16="http://schemas.microsoft.com/office/drawing/2014/main" id="{1F85272F-5078-BD4C-9349-9F97B907EDAC}"/>
+              </a:ext>
+            </a:extLst>
+          </p:cNvPr>
+          <p:cNvCxnSpPr>
+            <a:cxnSpLocks/>
+            <a:stCxn id="155" idx="2"/>
+            <a:endCxn id="163" idx="0"/>
+          </p:cNvCxnSpPr>
+          <p:nvPr/>
+        </p:nvCxnSpPr>
+        <p:spPr>
+          <a:xfrm>
+            <a:off x="3476650" y="3307569"/>
+            <a:ext cx="7749" cy="186361"/>
+          </a:xfrm>
+          <a:prstGeom prst="line">
+            <a:avLst/>
+          </a:prstGeom>
+          <a:ln w="12700">
+            <a:solidFill>
+              <a:schemeClr val="tx1">
+                <a:lumMod val="75000"/>
+                <a:lumOff val="25000"/>
+              </a:schemeClr>
+            </a:solidFill>
+            <a:prstDash val="sysDash"/>
+            <a:headEnd w="lg" len="med"/>
+            <a:tailEnd type="arrow"/>
+          </a:ln>
+        </p:spPr>
+        <p:style>
+          <a:lnRef idx="1">
+            <a:schemeClr val="accent1"/>
+          </a:lnRef>
+          <a:fillRef idx="0">
+            <a:schemeClr val="accent1"/>
+          </a:fillRef>
+          <a:effectRef idx="0">
+            <a:schemeClr val="accent1"/>
+          </a:effectRef>
+          <a:fontRef idx="minor">
+            <a:schemeClr val="tx1"/>
+          </a:fontRef>
+        </p:style>
+      </p:cxnSp>
     </p:spTree>
     <p:extLst>
       <p:ext uri="{BB962C8B-B14F-4D97-AF65-F5344CB8AC3E}">
@@ -6195,98 +7115,6 @@
       </p:sp>
       <p:sp>
         <p:nvSpPr>
-          <p:cNvPr id="50" name="Rectangle 49"/>
-          <p:cNvSpPr/>
-          <p:nvPr/>
-        </p:nvSpPr>
-        <p:spPr>
-          <a:xfrm>
-            <a:off x="1724231" y="1876312"/>
-            <a:ext cx="772048" cy="1292007"/>
-          </a:xfrm>
-          <a:prstGeom prst="rect">
-            <a:avLst/>
-          </a:prstGeom>
-          <a:solidFill>
-            <a:schemeClr val="bg1">
-              <a:lumMod val="95000"/>
-            </a:schemeClr>
-          </a:solidFill>
-          <a:ln>
-            <a:solidFill>
-              <a:schemeClr val="tx1">
-                <a:lumMod val="75000"/>
-                <a:lumOff val="25000"/>
-              </a:schemeClr>
-            </a:solidFill>
-            <a:prstDash val="dash"/>
-          </a:ln>
-        </p:spPr>
-        <p:style>
-          <a:lnRef idx="2">
-            <a:schemeClr val="accent1">
-              <a:shade val="50000"/>
-            </a:schemeClr>
-          </a:lnRef>
-          <a:fillRef idx="1">
-            <a:schemeClr val="accent1"/>
-          </a:fillRef>
-          <a:effectRef idx="0">
-            <a:schemeClr val="accent1"/>
-          </a:effectRef>
-          <a:fontRef idx="minor">
-            <a:schemeClr val="lt1"/>
-          </a:fontRef>
-        </p:style>
-        <p:txBody>
-          <a:bodyPr wrap="none" tIns="91440" rtlCol="0" anchor="t" anchorCtr="0"/>
-          <a:lstStyle/>
-          <a:p>
-            <a:pPr algn="ctr">
-              <a:lnSpc>
-                <a:spcPct val="80000"/>
-              </a:lnSpc>
-            </a:pPr>
-            <a:r>
-              <a:rPr lang="en-US" sz="1100" i="1" dirty="0">
-                <a:ln w="0">
-                  <a:noFill/>
-                </a:ln>
-                <a:solidFill>
-                  <a:schemeClr val="tx1">
-                    <a:lumMod val="65000"/>
-                    <a:lumOff val="35000"/>
-                  </a:schemeClr>
-                </a:solidFill>
-              </a:rPr>
-              <a:t>External</a:t>
-            </a:r>
-          </a:p>
-          <a:p>
-            <a:pPr algn="ctr">
-              <a:lnSpc>
-                <a:spcPct val="80000"/>
-              </a:lnSpc>
-            </a:pPr>
-            <a:r>
-              <a:rPr lang="en-US" sz="1100" i="1" dirty="0">
-                <a:ln w="0">
-                  <a:noFill/>
-                </a:ln>
-                <a:solidFill>
-                  <a:schemeClr val="tx1">
-                    <a:lumMod val="65000"/>
-                    <a:lumOff val="35000"/>
-                  </a:schemeClr>
-                </a:solidFill>
-              </a:rPr>
-              <a:t>Service</a:t>
-            </a:r>
-          </a:p>
-        </p:txBody>
-      </p:sp>
-      <p:sp>
-        <p:nvSpPr>
           <p:cNvPr id="52" name="Oval 51"/>
           <p:cNvSpPr/>
           <p:nvPr/>
@@ -7153,104 +7981,6 @@
       </p:sp>
       <p:sp>
         <p:nvSpPr>
-          <p:cNvPr id="214" name="Rectangle 213">
-            <a:extLst>
-              <a:ext uri="{FF2B5EF4-FFF2-40B4-BE49-F238E27FC236}">
-                <a16:creationId xmlns:a16="http://schemas.microsoft.com/office/drawing/2014/main" id="{A6939B66-57E6-1D47-9D75-091ED081A7C5}"/>
-              </a:ext>
-            </a:extLst>
-          </p:cNvPr>
-          <p:cNvSpPr/>
-          <p:nvPr/>
-        </p:nvSpPr>
-        <p:spPr>
-          <a:xfrm>
-            <a:off x="1724231" y="3535115"/>
-            <a:ext cx="772048" cy="1292007"/>
-          </a:xfrm>
-          <a:prstGeom prst="rect">
-            <a:avLst/>
-          </a:prstGeom>
-          <a:solidFill>
-            <a:schemeClr val="bg1">
-              <a:lumMod val="95000"/>
-            </a:schemeClr>
-          </a:solidFill>
-          <a:ln>
-            <a:solidFill>
-              <a:schemeClr val="tx1">
-                <a:lumMod val="75000"/>
-                <a:lumOff val="25000"/>
-              </a:schemeClr>
-            </a:solidFill>
-            <a:prstDash val="dash"/>
-          </a:ln>
-        </p:spPr>
-        <p:style>
-          <a:lnRef idx="2">
-            <a:schemeClr val="accent1">
-              <a:shade val="50000"/>
-            </a:schemeClr>
-          </a:lnRef>
-          <a:fillRef idx="1">
-            <a:schemeClr val="accent1"/>
-          </a:fillRef>
-          <a:effectRef idx="0">
-            <a:schemeClr val="accent1"/>
-          </a:effectRef>
-          <a:fontRef idx="minor">
-            <a:schemeClr val="lt1"/>
-          </a:fontRef>
-        </p:style>
-        <p:txBody>
-          <a:bodyPr wrap="none" tIns="91440" rtlCol="0" anchor="t" anchorCtr="0"/>
-          <a:lstStyle/>
-          <a:p>
-            <a:pPr algn="ctr">
-              <a:lnSpc>
-                <a:spcPct val="80000"/>
-              </a:lnSpc>
-            </a:pPr>
-            <a:r>
-              <a:rPr lang="en-US" sz="1100" i="1" dirty="0">
-                <a:ln w="0">
-                  <a:noFill/>
-                </a:ln>
-                <a:solidFill>
-                  <a:schemeClr val="tx1">
-                    <a:lumMod val="65000"/>
-                    <a:lumOff val="35000"/>
-                  </a:schemeClr>
-                </a:solidFill>
-              </a:rPr>
-              <a:t>External</a:t>
-            </a:r>
-          </a:p>
-          <a:p>
-            <a:pPr algn="ctr">
-              <a:lnSpc>
-                <a:spcPct val="80000"/>
-              </a:lnSpc>
-            </a:pPr>
-            <a:r>
-              <a:rPr lang="en-US" sz="1100" i="1" dirty="0">
-                <a:ln w="0">
-                  <a:noFill/>
-                </a:ln>
-                <a:solidFill>
-                  <a:schemeClr val="tx1">
-                    <a:lumMod val="65000"/>
-                    <a:lumOff val="35000"/>
-                  </a:schemeClr>
-                </a:solidFill>
-              </a:rPr>
-              <a:t>Service</a:t>
-            </a:r>
-          </a:p>
-        </p:txBody>
-      </p:sp>
-      <p:sp>
-        <p:nvSpPr>
           <p:cNvPr id="215" name="Oval 214">
             <a:extLst>
               <a:ext uri="{FF2B5EF4-FFF2-40B4-BE49-F238E27FC236}">
@@ -7899,104 +8629,6 @@
       </p:sp>
       <p:sp>
         <p:nvSpPr>
-          <p:cNvPr id="230" name="Rectangle 229">
-            <a:extLst>
-              <a:ext uri="{FF2B5EF4-FFF2-40B4-BE49-F238E27FC236}">
-                <a16:creationId xmlns:a16="http://schemas.microsoft.com/office/drawing/2014/main" id="{2E522303-BA0D-1B4D-90EB-1C73024084F3}"/>
-              </a:ext>
-            </a:extLst>
-          </p:cNvPr>
-          <p:cNvSpPr/>
-          <p:nvPr/>
-        </p:nvSpPr>
-        <p:spPr>
-          <a:xfrm>
-            <a:off x="1724231" y="5234492"/>
-            <a:ext cx="772048" cy="1292007"/>
-          </a:xfrm>
-          <a:prstGeom prst="rect">
-            <a:avLst/>
-          </a:prstGeom>
-          <a:solidFill>
-            <a:schemeClr val="bg1">
-              <a:lumMod val="95000"/>
-            </a:schemeClr>
-          </a:solidFill>
-          <a:ln>
-            <a:solidFill>
-              <a:schemeClr val="tx1">
-                <a:lumMod val="75000"/>
-                <a:lumOff val="25000"/>
-              </a:schemeClr>
-            </a:solidFill>
-            <a:prstDash val="dash"/>
-          </a:ln>
-        </p:spPr>
-        <p:style>
-          <a:lnRef idx="2">
-            <a:schemeClr val="accent1">
-              <a:shade val="50000"/>
-            </a:schemeClr>
-          </a:lnRef>
-          <a:fillRef idx="1">
-            <a:schemeClr val="accent1"/>
-          </a:fillRef>
-          <a:effectRef idx="0">
-            <a:schemeClr val="accent1"/>
-          </a:effectRef>
-          <a:fontRef idx="minor">
-            <a:schemeClr val="lt1"/>
-          </a:fontRef>
-        </p:style>
-        <p:txBody>
-          <a:bodyPr wrap="none" tIns="91440" rtlCol="0" anchor="t" anchorCtr="0"/>
-          <a:lstStyle/>
-          <a:p>
-            <a:pPr algn="ctr">
-              <a:lnSpc>
-                <a:spcPct val="80000"/>
-              </a:lnSpc>
-            </a:pPr>
-            <a:r>
-              <a:rPr lang="en-US" sz="1100" i="1" dirty="0">
-                <a:ln w="0">
-                  <a:noFill/>
-                </a:ln>
-                <a:solidFill>
-                  <a:schemeClr val="tx1">
-                    <a:lumMod val="65000"/>
-                    <a:lumOff val="35000"/>
-                  </a:schemeClr>
-                </a:solidFill>
-              </a:rPr>
-              <a:t>External</a:t>
-            </a:r>
-          </a:p>
-          <a:p>
-            <a:pPr algn="ctr">
-              <a:lnSpc>
-                <a:spcPct val="80000"/>
-              </a:lnSpc>
-            </a:pPr>
-            <a:r>
-              <a:rPr lang="en-US" sz="1100" i="1" dirty="0">
-                <a:ln w="0">
-                  <a:noFill/>
-                </a:ln>
-                <a:solidFill>
-                  <a:schemeClr val="tx1">
-                    <a:lumMod val="65000"/>
-                    <a:lumOff val="35000"/>
-                  </a:schemeClr>
-                </a:solidFill>
-              </a:rPr>
-              <a:t>Service</a:t>
-            </a:r>
-          </a:p>
-        </p:txBody>
-      </p:sp>
-      <p:sp>
-        <p:nvSpPr>
           <p:cNvPr id="231" name="Oval 230">
             <a:extLst>
               <a:ext uri="{FF2B5EF4-FFF2-40B4-BE49-F238E27FC236}">
@@ -8863,104 +9495,6 @@
                 </a:solidFill>
               </a:rPr>
               <a:t>Target Namespace</a:t>
-            </a:r>
-          </a:p>
-        </p:txBody>
-      </p:sp>
-      <p:sp>
-        <p:nvSpPr>
-          <p:cNvPr id="247" name="Rectangle 246">
-            <a:extLst>
-              <a:ext uri="{FF2B5EF4-FFF2-40B4-BE49-F238E27FC236}">
-                <a16:creationId xmlns:a16="http://schemas.microsoft.com/office/drawing/2014/main" id="{7473CCEA-0D5F-1449-8AFE-3F6AFCD66E9A}"/>
-              </a:ext>
-            </a:extLst>
-          </p:cNvPr>
-          <p:cNvSpPr/>
-          <p:nvPr/>
-        </p:nvSpPr>
-        <p:spPr>
-          <a:xfrm>
-            <a:off x="1724231" y="241336"/>
-            <a:ext cx="772048" cy="1292007"/>
-          </a:xfrm>
-          <a:prstGeom prst="rect">
-            <a:avLst/>
-          </a:prstGeom>
-          <a:solidFill>
-            <a:schemeClr val="bg1">
-              <a:lumMod val="95000"/>
-            </a:schemeClr>
-          </a:solidFill>
-          <a:ln>
-            <a:solidFill>
-              <a:schemeClr val="tx1">
-                <a:lumMod val="75000"/>
-                <a:lumOff val="25000"/>
-              </a:schemeClr>
-            </a:solidFill>
-            <a:prstDash val="dash"/>
-          </a:ln>
-        </p:spPr>
-        <p:style>
-          <a:lnRef idx="2">
-            <a:schemeClr val="accent1">
-              <a:shade val="50000"/>
-            </a:schemeClr>
-          </a:lnRef>
-          <a:fillRef idx="1">
-            <a:schemeClr val="accent1"/>
-          </a:fillRef>
-          <a:effectRef idx="0">
-            <a:schemeClr val="accent1"/>
-          </a:effectRef>
-          <a:fontRef idx="minor">
-            <a:schemeClr val="lt1"/>
-          </a:fontRef>
-        </p:style>
-        <p:txBody>
-          <a:bodyPr wrap="none" tIns="91440" rtlCol="0" anchor="t" anchorCtr="0"/>
-          <a:lstStyle/>
-          <a:p>
-            <a:pPr algn="ctr">
-              <a:lnSpc>
-                <a:spcPct val="80000"/>
-              </a:lnSpc>
-            </a:pPr>
-            <a:r>
-              <a:rPr lang="en-US" sz="1100" i="1" dirty="0">
-                <a:ln w="0">
-                  <a:noFill/>
-                </a:ln>
-                <a:solidFill>
-                  <a:schemeClr val="tx1">
-                    <a:lumMod val="65000"/>
-                    <a:lumOff val="35000"/>
-                  </a:schemeClr>
-                </a:solidFill>
-              </a:rPr>
-              <a:t>External</a:t>
-            </a:r>
-          </a:p>
-          <a:p>
-            <a:pPr algn="ctr">
-              <a:lnSpc>
-                <a:spcPct val="80000"/>
-              </a:lnSpc>
-            </a:pPr>
-            <a:r>
-              <a:rPr lang="en-US" sz="1100" i="1" dirty="0">
-                <a:ln w="0">
-                  <a:noFill/>
-                </a:ln>
-                <a:solidFill>
-                  <a:schemeClr val="tx1">
-                    <a:lumMod val="65000"/>
-                    <a:lumOff val="35000"/>
-                  </a:schemeClr>
-                </a:solidFill>
-              </a:rPr>
-              <a:t>Service</a:t>
             </a:r>
           </a:p>
         </p:txBody>
